--- a/Project.pptx
+++ b/Project.pptx
@@ -290,6 +290,7 @@
           <a:p>
             <a:fld id="{59A1865C-07FC-4E65-8A6F-CF9A5ECC4C6D}" type="datetimeFigureOut">
               <a:rPr lang="bg-BG" smtClean="0"/>
+              <a:pPr/>
               <a:t>20.11.2013 г.</a:t>
             </a:fld>
             <a:endParaRPr lang="bg-BG"/>
@@ -332,6 +333,7 @@
           <a:p>
             <a:fld id="{E7C11D1E-3789-4A34-ABF8-79D24553D883}" type="slidenum">
               <a:rPr lang="bg-BG" smtClean="0"/>
+              <a:pPr/>
               <a:t>‹#›</a:t>
             </a:fld>
             <a:endParaRPr lang="bg-BG"/>
@@ -455,6 +457,7 @@
           <a:p>
             <a:fld id="{59A1865C-07FC-4E65-8A6F-CF9A5ECC4C6D}" type="datetimeFigureOut">
               <a:rPr lang="bg-BG" smtClean="0"/>
+              <a:pPr/>
               <a:t>20.11.2013 г.</a:t>
             </a:fld>
             <a:endParaRPr lang="bg-BG"/>
@@ -497,6 +500,7 @@
           <a:p>
             <a:fld id="{E7C11D1E-3789-4A34-ABF8-79D24553D883}" type="slidenum">
               <a:rPr lang="bg-BG" smtClean="0"/>
+              <a:pPr/>
               <a:t>‹#›</a:t>
             </a:fld>
             <a:endParaRPr lang="bg-BG"/>
@@ -630,6 +634,7 @@
           <a:p>
             <a:fld id="{59A1865C-07FC-4E65-8A6F-CF9A5ECC4C6D}" type="datetimeFigureOut">
               <a:rPr lang="bg-BG" smtClean="0"/>
+              <a:pPr/>
               <a:t>20.11.2013 г.</a:t>
             </a:fld>
             <a:endParaRPr lang="bg-BG"/>
@@ -672,6 +677,7 @@
           <a:p>
             <a:fld id="{E7C11D1E-3789-4A34-ABF8-79D24553D883}" type="slidenum">
               <a:rPr lang="bg-BG" smtClean="0"/>
+              <a:pPr/>
               <a:t>‹#›</a:t>
             </a:fld>
             <a:endParaRPr lang="bg-BG"/>
@@ -795,6 +801,7 @@
           <a:p>
             <a:fld id="{59A1865C-07FC-4E65-8A6F-CF9A5ECC4C6D}" type="datetimeFigureOut">
               <a:rPr lang="bg-BG" smtClean="0"/>
+              <a:pPr/>
               <a:t>20.11.2013 г.</a:t>
             </a:fld>
             <a:endParaRPr lang="bg-BG"/>
@@ -837,6 +844,7 @@
           <a:p>
             <a:fld id="{E7C11D1E-3789-4A34-ABF8-79D24553D883}" type="slidenum">
               <a:rPr lang="bg-BG" smtClean="0"/>
+              <a:pPr/>
               <a:t>‹#›</a:t>
             </a:fld>
             <a:endParaRPr lang="bg-BG"/>
@@ -1036,6 +1044,7 @@
           <a:p>
             <a:fld id="{59A1865C-07FC-4E65-8A6F-CF9A5ECC4C6D}" type="datetimeFigureOut">
               <a:rPr lang="bg-BG" smtClean="0"/>
+              <a:pPr/>
               <a:t>20.11.2013 г.</a:t>
             </a:fld>
             <a:endParaRPr lang="bg-BG"/>
@@ -1078,6 +1087,7 @@
           <a:p>
             <a:fld id="{E7C11D1E-3789-4A34-ABF8-79D24553D883}" type="slidenum">
               <a:rPr lang="bg-BG" smtClean="0"/>
+              <a:pPr/>
               <a:t>‹#›</a:t>
             </a:fld>
             <a:endParaRPr lang="bg-BG"/>
@@ -1319,6 +1329,7 @@
           <a:p>
             <a:fld id="{59A1865C-07FC-4E65-8A6F-CF9A5ECC4C6D}" type="datetimeFigureOut">
               <a:rPr lang="bg-BG" smtClean="0"/>
+              <a:pPr/>
               <a:t>20.11.2013 г.</a:t>
             </a:fld>
             <a:endParaRPr lang="bg-BG"/>
@@ -1361,6 +1372,7 @@
           <a:p>
             <a:fld id="{E7C11D1E-3789-4A34-ABF8-79D24553D883}" type="slidenum">
               <a:rPr lang="bg-BG" smtClean="0"/>
+              <a:pPr/>
               <a:t>‹#›</a:t>
             </a:fld>
             <a:endParaRPr lang="bg-BG"/>
@@ -1736,6 +1748,7 @@
           <a:p>
             <a:fld id="{59A1865C-07FC-4E65-8A6F-CF9A5ECC4C6D}" type="datetimeFigureOut">
               <a:rPr lang="bg-BG" smtClean="0"/>
+              <a:pPr/>
               <a:t>20.11.2013 г.</a:t>
             </a:fld>
             <a:endParaRPr lang="bg-BG"/>
@@ -1778,6 +1791,7 @@
           <a:p>
             <a:fld id="{E7C11D1E-3789-4A34-ABF8-79D24553D883}" type="slidenum">
               <a:rPr lang="bg-BG" smtClean="0"/>
+              <a:pPr/>
               <a:t>‹#›</a:t>
             </a:fld>
             <a:endParaRPr lang="bg-BG"/>
@@ -1849,6 +1863,7 @@
           <a:p>
             <a:fld id="{59A1865C-07FC-4E65-8A6F-CF9A5ECC4C6D}" type="datetimeFigureOut">
               <a:rPr lang="bg-BG" smtClean="0"/>
+              <a:pPr/>
               <a:t>20.11.2013 г.</a:t>
             </a:fld>
             <a:endParaRPr lang="bg-BG"/>
@@ -1891,6 +1906,7 @@
           <a:p>
             <a:fld id="{E7C11D1E-3789-4A34-ABF8-79D24553D883}" type="slidenum">
               <a:rPr lang="bg-BG" smtClean="0"/>
+              <a:pPr/>
               <a:t>‹#›</a:t>
             </a:fld>
             <a:endParaRPr lang="bg-BG"/>
@@ -1939,6 +1955,7 @@
           <a:p>
             <a:fld id="{59A1865C-07FC-4E65-8A6F-CF9A5ECC4C6D}" type="datetimeFigureOut">
               <a:rPr lang="bg-BG" smtClean="0"/>
+              <a:pPr/>
               <a:t>20.11.2013 г.</a:t>
             </a:fld>
             <a:endParaRPr lang="bg-BG"/>
@@ -1981,6 +1998,7 @@
           <a:p>
             <a:fld id="{E7C11D1E-3789-4A34-ABF8-79D24553D883}" type="slidenum">
               <a:rPr lang="bg-BG" smtClean="0"/>
+              <a:pPr/>
               <a:t>‹#›</a:t>
             </a:fld>
             <a:endParaRPr lang="bg-BG"/>
@@ -2211,6 +2229,7 @@
           <a:p>
             <a:fld id="{59A1865C-07FC-4E65-8A6F-CF9A5ECC4C6D}" type="datetimeFigureOut">
               <a:rPr lang="bg-BG" smtClean="0"/>
+              <a:pPr/>
               <a:t>20.11.2013 г.</a:t>
             </a:fld>
             <a:endParaRPr lang="bg-BG"/>
@@ -2253,6 +2272,7 @@
           <a:p>
             <a:fld id="{E7C11D1E-3789-4A34-ABF8-79D24553D883}" type="slidenum">
               <a:rPr lang="bg-BG" smtClean="0"/>
+              <a:pPr/>
               <a:t>‹#›</a:t>
             </a:fld>
             <a:endParaRPr lang="bg-BG"/>
@@ -2459,6 +2479,7 @@
           <a:p>
             <a:fld id="{59A1865C-07FC-4E65-8A6F-CF9A5ECC4C6D}" type="datetimeFigureOut">
               <a:rPr lang="bg-BG" smtClean="0"/>
+              <a:pPr/>
               <a:t>20.11.2013 г.</a:t>
             </a:fld>
             <a:endParaRPr lang="bg-BG"/>
@@ -2501,6 +2522,7 @@
           <a:p>
             <a:fld id="{E7C11D1E-3789-4A34-ABF8-79D24553D883}" type="slidenum">
               <a:rPr lang="bg-BG" smtClean="0"/>
+              <a:pPr/>
               <a:t>‹#›</a:t>
             </a:fld>
             <a:endParaRPr lang="bg-BG"/>
@@ -2667,6 +2689,7 @@
           <a:p>
             <a:fld id="{59A1865C-07FC-4E65-8A6F-CF9A5ECC4C6D}" type="datetimeFigureOut">
               <a:rPr lang="bg-BG" smtClean="0"/>
+              <a:pPr/>
               <a:t>20.11.2013 г.</a:t>
             </a:fld>
             <a:endParaRPr lang="bg-BG"/>
@@ -2745,6 +2768,7 @@
           <a:p>
             <a:fld id="{E7C11D1E-3789-4A34-ABF8-79D24553D883}" type="slidenum">
               <a:rPr lang="bg-BG" smtClean="0"/>
+              <a:pPr/>
               <a:t>‹#›</a:t>
             </a:fld>
             <a:endParaRPr lang="bg-BG"/>
@@ -3061,9 +3085,40 @@
           <a:p>
             <a:r>
               <a:rPr lang="en-US" sz="4800" dirty="0" smtClean="0"/>
-              <a:t>Project “Medic”</a:t>
-            </a:r>
-            <a:endParaRPr lang="bg-BG" sz="4800" dirty="0"/>
+              <a:t>Project “</a:t>
+            </a:r>
+            <a:r>
+              <a:rPr lang="en-US" sz="4800" dirty="0" smtClean="0">
+                <a:solidFill>
+                  <a:srgbClr val="00B050"/>
+                </a:solidFill>
+              </a:rPr>
+              <a:t>Medic</a:t>
+            </a:r>
+            <a:r>
+              <a:rPr lang="en-US" sz="4800" dirty="0" smtClean="0"/>
+              <a:t>”</a:t>
+            </a:r>
+            <a:br>
+              <a:rPr lang="en-US" sz="4800" dirty="0" smtClean="0"/>
+            </a:br>
+            <a:r>
+              <a:rPr lang="en-US" sz="3200" dirty="0" smtClean="0"/>
+              <a:t>by </a:t>
+            </a:r>
+            <a:r>
+              <a:rPr lang="en-US" sz="3200" dirty="0" err="1" smtClean="0"/>
+              <a:t>Georgi</a:t>
+            </a:r>
+            <a:r>
+              <a:rPr lang="en-US" sz="3200" dirty="0" smtClean="0"/>
+              <a:t> </a:t>
+            </a:r>
+            <a:r>
+              <a:rPr lang="en-US" sz="3200" dirty="0" err="1" smtClean="0"/>
+              <a:t>Parlakov</a:t>
+            </a:r>
+            <a:endParaRPr lang="bg-BG" sz="3200" dirty="0"/>
           </a:p>
         </p:txBody>
       </p:sp>
@@ -3080,7 +3135,7 @@
         <p:spPr>
           <a:xfrm>
             <a:off x="642910" y="3071810"/>
-            <a:ext cx="8072494" cy="2566990"/>
+            <a:ext cx="8072494" cy="1785950"/>
           </a:xfrm>
         </p:spPr>
         <p:txBody>
@@ -3102,6 +3157,13 @@
   <p:clrMapOvr>
     <a:masterClrMapping/>
   </p:clrMapOvr>
+  <p:timing>
+    <p:tnLst>
+      <p:par>
+        <p:cTn id="1" dur="indefinite" restart="never" nodeType="tmRoot"/>
+      </p:par>
+    </p:tnLst>
+  </p:timing>
 </p:sld>
 </file>
 
@@ -3199,6 +3261,13 @@
   <p:clrMapOvr>
     <a:masterClrMapping/>
   </p:clrMapOvr>
+  <p:timing>
+    <p:tnLst>
+      <p:par>
+        <p:cTn id="1" dur="indefinite" restart="never" nodeType="tmRoot"/>
+      </p:par>
+    </p:tnLst>
+  </p:timing>
 </p:sld>
 </file>
 
@@ -3261,8 +3330,12 @@
           </a:p>
           <a:p>
             <a:r>
+              <a:rPr lang="en-US" b="1" dirty="0" smtClean="0"/>
+              <a:t>Patients</a:t>
+            </a:r>
+            <a:r>
               <a:rPr lang="en-US" dirty="0" smtClean="0"/>
-              <a:t>Patients – add / remove / edit / show all / search by name/ take photo / call</a:t>
+              <a:t> – add / remove / edit / show all / search by name/ take photo / call</a:t>
             </a:r>
           </a:p>
           <a:p>
@@ -3286,6 +3359,13 @@
   <p:clrMapOvr>
     <a:masterClrMapping/>
   </p:clrMapOvr>
+  <p:timing>
+    <p:tnLst>
+      <p:par>
+        <p:cTn id="1" dur="indefinite" restart="never" nodeType="tmRoot"/>
+      </p:par>
+    </p:tnLst>
+  </p:timing>
 </p:sld>
 </file>
 
